--- a/图片整理.pptx
+++ b/图片整理.pptx
@@ -12,6 +12,9 @@
     <p:sldId id="260" r:id="rId6"/>
     <p:sldId id="261" r:id="rId7"/>
     <p:sldId id="262" r:id="rId8"/>
+    <p:sldId id="263" r:id="rId9"/>
+    <p:sldId id="264" r:id="rId10"/>
+    <p:sldId id="265" r:id="rId11"/>
   </p:sldIdLst>
   <p:sldSz cx="12192000" cy="6858000"/>
   <p:notesSz cx="6858000" cy="9144000"/>
@@ -118,7 +121,7 @@
             <a:srgbClr val="A4A3A4"/>
           </p15:clr>
         </p15:guide>
-        <p15:guide id="2" pos="7256" userDrawn="1">
+        <p15:guide id="2" pos="7265" userDrawn="1">
           <p15:clr>
             <a:srgbClr val="A4A3A4"/>
           </p15:clr>
@@ -298,7 +301,7 @@
           <a:p>
             <a:fld id="{197E3004-72AB-407C-8102-7D4205ECC43F}" type="datetimeFigureOut">
               <a:rPr lang="en-US" smtClean="0"/>
-              <a:t>12/8/2023</a:t>
+              <a:t>12/10/2024</a:t>
             </a:fld>
             <a:endParaRPr lang="en-US"/>
           </a:p>
@@ -498,7 +501,7 @@
           <a:p>
             <a:fld id="{197E3004-72AB-407C-8102-7D4205ECC43F}" type="datetimeFigureOut">
               <a:rPr lang="en-US" smtClean="0"/>
-              <a:t>12/8/2023</a:t>
+              <a:t>12/10/2024</a:t>
             </a:fld>
             <a:endParaRPr lang="en-US"/>
           </a:p>
@@ -708,7 +711,7 @@
           <a:p>
             <a:fld id="{197E3004-72AB-407C-8102-7D4205ECC43F}" type="datetimeFigureOut">
               <a:rPr lang="en-US" smtClean="0"/>
-              <a:t>12/8/2023</a:t>
+              <a:t>12/10/2024</a:t>
             </a:fld>
             <a:endParaRPr lang="en-US"/>
           </a:p>
@@ -908,7 +911,7 @@
           <a:p>
             <a:fld id="{197E3004-72AB-407C-8102-7D4205ECC43F}" type="datetimeFigureOut">
               <a:rPr lang="en-US" smtClean="0"/>
-              <a:t>12/8/2023</a:t>
+              <a:t>12/10/2024</a:t>
             </a:fld>
             <a:endParaRPr lang="en-US"/>
           </a:p>
@@ -1184,7 +1187,7 @@
           <a:p>
             <a:fld id="{197E3004-72AB-407C-8102-7D4205ECC43F}" type="datetimeFigureOut">
               <a:rPr lang="en-US" smtClean="0"/>
-              <a:t>12/8/2023</a:t>
+              <a:t>12/10/2024</a:t>
             </a:fld>
             <a:endParaRPr lang="en-US"/>
           </a:p>
@@ -1452,7 +1455,7 @@
           <a:p>
             <a:fld id="{197E3004-72AB-407C-8102-7D4205ECC43F}" type="datetimeFigureOut">
               <a:rPr lang="en-US" smtClean="0"/>
-              <a:t>12/8/2023</a:t>
+              <a:t>12/10/2024</a:t>
             </a:fld>
             <a:endParaRPr lang="en-US"/>
           </a:p>
@@ -1867,7 +1870,7 @@
           <a:p>
             <a:fld id="{197E3004-72AB-407C-8102-7D4205ECC43F}" type="datetimeFigureOut">
               <a:rPr lang="en-US" smtClean="0"/>
-              <a:t>12/8/2023</a:t>
+              <a:t>12/10/2024</a:t>
             </a:fld>
             <a:endParaRPr lang="en-US"/>
           </a:p>
@@ -2009,7 +2012,7 @@
           <a:p>
             <a:fld id="{197E3004-72AB-407C-8102-7D4205ECC43F}" type="datetimeFigureOut">
               <a:rPr lang="en-US" smtClean="0"/>
-              <a:t>12/8/2023</a:t>
+              <a:t>12/10/2024</a:t>
             </a:fld>
             <a:endParaRPr lang="en-US"/>
           </a:p>
@@ -2122,7 +2125,7 @@
           <a:p>
             <a:fld id="{197E3004-72AB-407C-8102-7D4205ECC43F}" type="datetimeFigureOut">
               <a:rPr lang="en-US" smtClean="0"/>
-              <a:t>12/8/2023</a:t>
+              <a:t>12/10/2024</a:t>
             </a:fld>
             <a:endParaRPr lang="en-US"/>
           </a:p>
@@ -2435,7 +2438,7 @@
           <a:p>
             <a:fld id="{197E3004-72AB-407C-8102-7D4205ECC43F}" type="datetimeFigureOut">
               <a:rPr lang="en-US" smtClean="0"/>
-              <a:t>12/8/2023</a:t>
+              <a:t>12/10/2024</a:t>
             </a:fld>
             <a:endParaRPr lang="en-US"/>
           </a:p>
@@ -2724,7 +2727,7 @@
           <a:p>
             <a:fld id="{197E3004-72AB-407C-8102-7D4205ECC43F}" type="datetimeFigureOut">
               <a:rPr lang="en-US" smtClean="0"/>
-              <a:t>12/8/2023</a:t>
+              <a:t>12/10/2024</a:t>
             </a:fld>
             <a:endParaRPr lang="en-US"/>
           </a:p>
@@ -2967,7 +2970,7 @@
           <a:p>
             <a:fld id="{197E3004-72AB-407C-8102-7D4205ECC43F}" type="datetimeFigureOut">
               <a:rPr lang="en-US" smtClean="0"/>
-              <a:t>12/8/2023</a:t>
+              <a:t>12/10/2024</a:t>
             </a:fld>
             <a:endParaRPr lang="en-US"/>
           </a:p>
@@ -3588,6 +3591,85 @@
 </p:sld>
 </file>
 
+<file path=ppt/slides/slide10.xml><?xml version="1.0" encoding="utf-8"?>
+<p:sld xmlns:a="http://schemas.openxmlformats.org/drawingml/2006/main" xmlns:r="http://schemas.openxmlformats.org/officeDocument/2006/relationships" xmlns:p="http://schemas.openxmlformats.org/presentationml/2006/main">
+  <p:cSld>
+    <p:spTree>
+      <p:nvGrpSpPr>
+        <p:cNvPr id="1" name=""/>
+        <p:cNvGrpSpPr/>
+        <p:nvPr/>
+      </p:nvGrpSpPr>
+      <p:grpSpPr>
+        <a:xfrm>
+          <a:off x="0" y="0"/>
+          <a:ext cx="0" cy="0"/>
+          <a:chOff x="0" y="0"/>
+          <a:chExt cx="0" cy="0"/>
+        </a:xfrm>
+      </p:grpSpPr>
+      <p:sp>
+        <p:nvSpPr>
+          <p:cNvPr id="4" name="矩形 3">
+            <a:extLst>
+              <a:ext uri="{FF2B5EF4-FFF2-40B4-BE49-F238E27FC236}">
+                <a16:creationId xmlns:a16="http://schemas.microsoft.com/office/drawing/2014/main" id="{77411256-975D-415A-9777-E01E1B2A3EC2}"/>
+              </a:ext>
+            </a:extLst>
+          </p:cNvPr>
+          <p:cNvSpPr/>
+          <p:nvPr/>
+        </p:nvSpPr>
+        <p:spPr>
+          <a:xfrm>
+            <a:off x="4464424" y="1783976"/>
+            <a:ext cx="2857500" cy="2857500"/>
+          </a:xfrm>
+          <a:prstGeom prst="rect">
+            <a:avLst/>
+          </a:prstGeom>
+          <a:ln>
+            <a:noFill/>
+          </a:ln>
+        </p:spPr>
+        <p:style>
+          <a:lnRef idx="2">
+            <a:schemeClr val="accent1">
+              <a:shade val="50000"/>
+            </a:schemeClr>
+          </a:lnRef>
+          <a:fillRef idx="1">
+            <a:schemeClr val="accent1"/>
+          </a:fillRef>
+          <a:effectRef idx="0">
+            <a:schemeClr val="accent1"/>
+          </a:effectRef>
+          <a:fontRef idx="minor">
+            <a:schemeClr val="lt1"/>
+          </a:fontRef>
+        </p:style>
+        <p:txBody>
+          <a:bodyPr rtlCol="0" anchor="ctr"/>
+          <a:lstStyle/>
+          <a:p>
+            <a:pPr algn="ctr"/>
+            <a:endParaRPr lang="en-US"/>
+          </a:p>
+        </p:txBody>
+      </p:sp>
+    </p:spTree>
+    <p:extLst>
+      <p:ext uri="{BB962C8B-B14F-4D97-AF65-F5344CB8AC3E}">
+        <p14:creationId xmlns:p14="http://schemas.microsoft.com/office/powerpoint/2010/main" val="1877238195"/>
+      </p:ext>
+    </p:extLst>
+  </p:cSld>
+  <p:clrMapOvr>
+    <a:masterClrMapping/>
+  </p:clrMapOvr>
+</p:sld>
+</file>
+
 <file path=ppt/slides/slide2.xml><?xml version="1.0" encoding="utf-8"?>
 <p:sld xmlns:a="http://schemas.openxmlformats.org/drawingml/2006/main" xmlns:r="http://schemas.openxmlformats.org/officeDocument/2006/relationships" xmlns:p="http://schemas.openxmlformats.org/presentationml/2006/main">
   <p:cSld>
@@ -4659,6 +4741,391 @@
 </p:sld>
 </file>
 
+<file path=ppt/slides/slide8.xml><?xml version="1.0" encoding="utf-8"?>
+<p:sld xmlns:a="http://schemas.openxmlformats.org/drawingml/2006/main" xmlns:r="http://schemas.openxmlformats.org/officeDocument/2006/relationships" xmlns:p="http://schemas.openxmlformats.org/presentationml/2006/main">
+  <p:cSld>
+    <p:spTree>
+      <p:nvGrpSpPr>
+        <p:cNvPr id="1" name=""/>
+        <p:cNvGrpSpPr/>
+        <p:nvPr/>
+      </p:nvGrpSpPr>
+      <p:grpSpPr>
+        <a:xfrm>
+          <a:off x="0" y="0"/>
+          <a:ext cx="0" cy="0"/>
+          <a:chOff x="0" y="0"/>
+          <a:chExt cx="0" cy="0"/>
+        </a:xfrm>
+      </p:grpSpPr>
+      <p:grpSp>
+        <p:nvGrpSpPr>
+          <p:cNvPr id="5" name="组合 4">
+            <a:extLst>
+              <a:ext uri="{FF2B5EF4-FFF2-40B4-BE49-F238E27FC236}">
+                <a16:creationId xmlns:a16="http://schemas.microsoft.com/office/drawing/2014/main" id="{0090BA4F-2353-400E-84EA-BAEC433BF73C}"/>
+              </a:ext>
+            </a:extLst>
+          </p:cNvPr>
+          <p:cNvGrpSpPr/>
+          <p:nvPr/>
+        </p:nvGrpSpPr>
+        <p:grpSpPr>
+          <a:xfrm>
+            <a:off x="4137113" y="1783976"/>
+            <a:ext cx="2857500" cy="2857500"/>
+            <a:chOff x="4137113" y="1783976"/>
+            <a:chExt cx="2857500" cy="2857500"/>
+          </a:xfrm>
+        </p:grpSpPr>
+        <p:sp>
+          <p:nvSpPr>
+            <p:cNvPr id="4" name="矩形 3">
+              <a:extLst>
+                <a:ext uri="{FF2B5EF4-FFF2-40B4-BE49-F238E27FC236}">
+                  <a16:creationId xmlns:a16="http://schemas.microsoft.com/office/drawing/2014/main" id="{66C3AAB2-F2D9-4606-8463-6061FA8FC95D}"/>
+                </a:ext>
+              </a:extLst>
+            </p:cNvPr>
+            <p:cNvSpPr/>
+            <p:nvPr/>
+          </p:nvSpPr>
+          <p:spPr>
+            <a:xfrm>
+              <a:off x="4137113" y="1783976"/>
+              <a:ext cx="2857500" cy="2857500"/>
+            </a:xfrm>
+            <a:prstGeom prst="rect">
+              <a:avLst/>
+            </a:prstGeom>
+            <a:solidFill>
+              <a:schemeClr val="bg1"/>
+            </a:solidFill>
+            <a:ln>
+              <a:noFill/>
+            </a:ln>
+          </p:spPr>
+          <p:style>
+            <a:lnRef idx="2">
+              <a:schemeClr val="accent1">
+                <a:shade val="50000"/>
+              </a:schemeClr>
+            </a:lnRef>
+            <a:fillRef idx="1">
+              <a:schemeClr val="accent1"/>
+            </a:fillRef>
+            <a:effectRef idx="0">
+              <a:schemeClr val="accent1"/>
+            </a:effectRef>
+            <a:fontRef idx="minor">
+              <a:schemeClr val="lt1"/>
+            </a:fontRef>
+          </p:style>
+          <p:txBody>
+            <a:bodyPr rtlCol="0" anchor="ctr"/>
+            <a:lstStyle/>
+            <a:p>
+              <a:pPr algn="ctr"/>
+              <a:endParaRPr lang="en-US"/>
+            </a:p>
+          </p:txBody>
+        </p:sp>
+        <p:pic>
+          <p:nvPicPr>
+            <p:cNvPr id="3" name="图片 2">
+              <a:extLst>
+                <a:ext uri="{FF2B5EF4-FFF2-40B4-BE49-F238E27FC236}">
+                  <a16:creationId xmlns:a16="http://schemas.microsoft.com/office/drawing/2014/main" id="{3A3680EF-B85E-4BCB-8E3C-65FB5F3CEE6F}"/>
+                </a:ext>
+              </a:extLst>
+            </p:cNvPr>
+            <p:cNvPicPr>
+              <a:picLocks noChangeAspect="1"/>
+            </p:cNvPicPr>
+            <p:nvPr/>
+          </p:nvPicPr>
+          <p:blipFill>
+            <a:blip r:embed="rId2">
+              <a:extLst>
+                <a:ext uri="{28A0092B-C50C-407E-A947-70E740481C1C}">
+                  <a14:useLocalDpi xmlns:a14="http://schemas.microsoft.com/office/drawing/2010/main" val="0"/>
+                </a:ext>
+              </a:extLst>
+            </a:blip>
+            <a:stretch>
+              <a:fillRect/>
+            </a:stretch>
+          </p:blipFill>
+          <p:spPr>
+            <a:xfrm>
+              <a:off x="4137113" y="3158466"/>
+              <a:ext cx="2857500" cy="338138"/>
+            </a:xfrm>
+            <a:prstGeom prst="rect">
+              <a:avLst/>
+            </a:prstGeom>
+          </p:spPr>
+        </p:pic>
+      </p:grpSp>
+      <p:grpSp>
+        <p:nvGrpSpPr>
+          <p:cNvPr id="9" name="组合 8">
+            <a:extLst>
+              <a:ext uri="{FF2B5EF4-FFF2-40B4-BE49-F238E27FC236}">
+                <a16:creationId xmlns:a16="http://schemas.microsoft.com/office/drawing/2014/main" id="{FF740C60-6C41-41D0-BCF0-6744A4DEC36C}"/>
+              </a:ext>
+            </a:extLst>
+          </p:cNvPr>
+          <p:cNvGrpSpPr/>
+          <p:nvPr/>
+        </p:nvGrpSpPr>
+        <p:grpSpPr>
+          <a:xfrm>
+            <a:off x="7929184" y="1729716"/>
+            <a:ext cx="2857500" cy="2857500"/>
+            <a:chOff x="7929184" y="1729716"/>
+            <a:chExt cx="2857500" cy="2857500"/>
+          </a:xfrm>
+        </p:grpSpPr>
+        <p:sp>
+          <p:nvSpPr>
+            <p:cNvPr id="7" name="矩形 6">
+              <a:extLst>
+                <a:ext uri="{FF2B5EF4-FFF2-40B4-BE49-F238E27FC236}">
+                  <a16:creationId xmlns:a16="http://schemas.microsoft.com/office/drawing/2014/main" id="{E1169232-074D-4B7B-B8BD-D52C75EB0D66}"/>
+                </a:ext>
+              </a:extLst>
+            </p:cNvPr>
+            <p:cNvSpPr/>
+            <p:nvPr/>
+          </p:nvSpPr>
+          <p:spPr>
+            <a:xfrm>
+              <a:off x="7929184" y="1729716"/>
+              <a:ext cx="2857500" cy="2857500"/>
+            </a:xfrm>
+            <a:prstGeom prst="rect">
+              <a:avLst/>
+            </a:prstGeom>
+            <a:solidFill>
+              <a:schemeClr val="tx1"/>
+            </a:solidFill>
+            <a:ln>
+              <a:noFill/>
+            </a:ln>
+          </p:spPr>
+          <p:style>
+            <a:lnRef idx="2">
+              <a:schemeClr val="accent1">
+                <a:shade val="50000"/>
+              </a:schemeClr>
+            </a:lnRef>
+            <a:fillRef idx="1">
+              <a:schemeClr val="accent1"/>
+            </a:fillRef>
+            <a:effectRef idx="0">
+              <a:schemeClr val="accent1"/>
+            </a:effectRef>
+            <a:fontRef idx="minor">
+              <a:schemeClr val="lt1"/>
+            </a:fontRef>
+          </p:style>
+          <p:txBody>
+            <a:bodyPr rtlCol="0" anchor="ctr"/>
+            <a:lstStyle/>
+            <a:p>
+              <a:pPr algn="ctr"/>
+              <a:endParaRPr lang="en-US"/>
+            </a:p>
+          </p:txBody>
+        </p:sp>
+        <p:pic>
+          <p:nvPicPr>
+            <p:cNvPr id="8" name="图片 7">
+              <a:extLst>
+                <a:ext uri="{FF2B5EF4-FFF2-40B4-BE49-F238E27FC236}">
+                  <a16:creationId xmlns:a16="http://schemas.microsoft.com/office/drawing/2014/main" id="{E1036F03-CEF2-42D6-9770-94C92AF89DDA}"/>
+                </a:ext>
+              </a:extLst>
+            </p:cNvPr>
+            <p:cNvPicPr>
+              <a:picLocks noChangeAspect="1"/>
+            </p:cNvPicPr>
+            <p:nvPr/>
+          </p:nvPicPr>
+          <p:blipFill>
+            <a:blip r:embed="rId3">
+              <a:extLst>
+                <a:ext uri="{28A0092B-C50C-407E-A947-70E740481C1C}">
+                  <a14:useLocalDpi xmlns:a14="http://schemas.microsoft.com/office/drawing/2010/main" val="0"/>
+                </a:ext>
+              </a:extLst>
+            </a:blip>
+            <a:stretch>
+              <a:fillRect/>
+            </a:stretch>
+          </p:blipFill>
+          <p:spPr>
+            <a:xfrm>
+              <a:off x="7929184" y="2919040"/>
+              <a:ext cx="2857500" cy="478853"/>
+            </a:xfrm>
+            <a:prstGeom prst="rect">
+              <a:avLst/>
+            </a:prstGeom>
+          </p:spPr>
+        </p:pic>
+      </p:grpSp>
+    </p:spTree>
+    <p:extLst>
+      <p:ext uri="{BB962C8B-B14F-4D97-AF65-F5344CB8AC3E}">
+        <p14:creationId xmlns:p14="http://schemas.microsoft.com/office/powerpoint/2010/main" val="3468697645"/>
+      </p:ext>
+    </p:extLst>
+  </p:cSld>
+  <p:clrMapOvr>
+    <a:masterClrMapping/>
+  </p:clrMapOvr>
+</p:sld>
+</file>
+
+<file path=ppt/slides/slide9.xml><?xml version="1.0" encoding="utf-8"?>
+<p:sld xmlns:a="http://schemas.openxmlformats.org/drawingml/2006/main" xmlns:r="http://schemas.openxmlformats.org/officeDocument/2006/relationships" xmlns:p="http://schemas.openxmlformats.org/presentationml/2006/main">
+  <p:cSld>
+    <p:spTree>
+      <p:nvGrpSpPr>
+        <p:cNvPr id="1" name=""/>
+        <p:cNvGrpSpPr/>
+        <p:nvPr/>
+      </p:nvGrpSpPr>
+      <p:grpSpPr>
+        <a:xfrm>
+          <a:off x="0" y="0"/>
+          <a:ext cx="0" cy="0"/>
+          <a:chOff x="0" y="0"/>
+          <a:chExt cx="0" cy="0"/>
+        </a:xfrm>
+      </p:grpSpPr>
+      <p:grpSp>
+        <p:nvGrpSpPr>
+          <p:cNvPr id="5" name="组合 4">
+            <a:extLst>
+              <a:ext uri="{FF2B5EF4-FFF2-40B4-BE49-F238E27FC236}">
+                <a16:creationId xmlns:a16="http://schemas.microsoft.com/office/drawing/2014/main" id="{F2EFD0F1-1D1A-4AE5-8F33-B8407B5AE8B6}"/>
+              </a:ext>
+            </a:extLst>
+          </p:cNvPr>
+          <p:cNvGrpSpPr/>
+          <p:nvPr/>
+        </p:nvGrpSpPr>
+        <p:grpSpPr>
+          <a:xfrm>
+            <a:off x="4422066" y="1783976"/>
+            <a:ext cx="2857500" cy="2857500"/>
+            <a:chOff x="4422066" y="1783976"/>
+            <a:chExt cx="2857500" cy="2857500"/>
+          </a:xfrm>
+        </p:grpSpPr>
+        <p:sp>
+          <p:nvSpPr>
+            <p:cNvPr id="4" name="矩形 3">
+              <a:extLst>
+                <a:ext uri="{FF2B5EF4-FFF2-40B4-BE49-F238E27FC236}">
+                  <a16:creationId xmlns:a16="http://schemas.microsoft.com/office/drawing/2014/main" id="{6DDC4592-0F10-4BED-8EDA-3D72E578C652}"/>
+                </a:ext>
+              </a:extLst>
+            </p:cNvPr>
+            <p:cNvSpPr/>
+            <p:nvPr/>
+          </p:nvSpPr>
+          <p:spPr>
+            <a:xfrm>
+              <a:off x="4422066" y="1783976"/>
+              <a:ext cx="2857500" cy="2857500"/>
+            </a:xfrm>
+            <a:prstGeom prst="rect">
+              <a:avLst/>
+            </a:prstGeom>
+            <a:noFill/>
+            <a:ln>
+              <a:noFill/>
+            </a:ln>
+          </p:spPr>
+          <p:style>
+            <a:lnRef idx="2">
+              <a:schemeClr val="accent1">
+                <a:shade val="50000"/>
+              </a:schemeClr>
+            </a:lnRef>
+            <a:fillRef idx="1">
+              <a:schemeClr val="accent1"/>
+            </a:fillRef>
+            <a:effectRef idx="0">
+              <a:schemeClr val="accent1"/>
+            </a:effectRef>
+            <a:fontRef idx="minor">
+              <a:schemeClr val="lt1"/>
+            </a:fontRef>
+          </p:style>
+          <p:txBody>
+            <a:bodyPr rtlCol="0" anchor="ctr"/>
+            <a:lstStyle/>
+            <a:p>
+              <a:pPr algn="ctr"/>
+              <a:endParaRPr lang="en-US"/>
+            </a:p>
+          </p:txBody>
+        </p:sp>
+        <p:pic>
+          <p:nvPicPr>
+            <p:cNvPr id="3" name="图片 2">
+              <a:extLst>
+                <a:ext uri="{FF2B5EF4-FFF2-40B4-BE49-F238E27FC236}">
+                  <a16:creationId xmlns:a16="http://schemas.microsoft.com/office/drawing/2014/main" id="{9E72DB4A-D2C3-46CA-987B-136E8B2BCFAA}"/>
+                </a:ext>
+              </a:extLst>
+            </p:cNvPr>
+            <p:cNvPicPr>
+              <a:picLocks noChangeAspect="1"/>
+            </p:cNvPicPr>
+            <p:nvPr/>
+          </p:nvPicPr>
+          <p:blipFill>
+            <a:blip r:embed="rId2">
+              <a:extLst>
+                <a:ext uri="{28A0092B-C50C-407E-A947-70E740481C1C}">
+                  <a14:useLocalDpi xmlns:a14="http://schemas.microsoft.com/office/drawing/2010/main" val="0"/>
+                </a:ext>
+              </a:extLst>
+            </a:blip>
+            <a:stretch>
+              <a:fillRect/>
+            </a:stretch>
+          </p:blipFill>
+          <p:spPr>
+            <a:xfrm>
+              <a:off x="4422066" y="2141583"/>
+              <a:ext cx="2857500" cy="2142286"/>
+            </a:xfrm>
+            <a:prstGeom prst="rect">
+              <a:avLst/>
+            </a:prstGeom>
+          </p:spPr>
+        </p:pic>
+      </p:grpSp>
+    </p:spTree>
+    <p:extLst>
+      <p:ext uri="{BB962C8B-B14F-4D97-AF65-F5344CB8AC3E}">
+        <p14:creationId xmlns:p14="http://schemas.microsoft.com/office/powerpoint/2010/main" val="720423593"/>
+      </p:ext>
+    </p:extLst>
+  </p:cSld>
+  <p:clrMapOvr>
+    <a:masterClrMapping/>
+  </p:clrMapOvr>
+</p:sld>
+</file>
+
 <file path=ppt/theme/theme1.xml><?xml version="1.0" encoding="utf-8"?>
 <a:theme xmlns:a="http://schemas.openxmlformats.org/drawingml/2006/main" name="Office 主题​​">
   <a:themeElements>
